--- a/about_restapi.PPTX
+++ b/about_restapi.PPTX
@@ -274,7 +274,7 @@
             <a:fld id="{063A4F3E-766A-DA42-9587-0D8D4572D94B}" type="datetime1">
               <a:rPr lang="en-US"/>
               <a:pPr/>
-              <a:t>2/9/19</a:t>
+              <a:t>2/12/19</a:t>
             </a:fld>
             <a:endParaRPr lang="en-US"/>
           </a:p>
@@ -3566,7 +3566,7 @@
         </p:blipFill>
         <p:spPr>
           <a:xfrm>
-            <a:off x="307527" y="2648905"/>
+            <a:off x="6478105" y="2716199"/>
             <a:ext cx="2139652" cy="590249"/>
           </a:xfrm>
           <a:prstGeom prst="rect">
@@ -3602,7 +3602,7 @@
         </p:blipFill>
         <p:spPr>
           <a:xfrm>
-            <a:off x="7099148" y="2565667"/>
+            <a:off x="415030" y="3360986"/>
             <a:ext cx="873655" cy="873655"/>
           </a:xfrm>
           <a:prstGeom prst="rect">
@@ -3612,10 +3612,10 @@
       </p:pic>
       <p:sp>
         <p:nvSpPr>
-          <p:cNvPr id="10" name="TextBox 9">
+          <p:cNvPr id="14" name="TextBox 13">
             <a:extLst>
               <a:ext uri="{FF2B5EF4-FFF2-40B4-BE49-F238E27FC236}">
-                <a16:creationId xmlns:a16="http://schemas.microsoft.com/office/drawing/2014/main" id="{07C189F4-22CA-2942-A4F8-9199FBA0E9B2}"/>
+                <a16:creationId xmlns:a16="http://schemas.microsoft.com/office/drawing/2014/main" id="{350C3BCF-0399-B148-AACE-DC5E8913AED2}"/>
               </a:ext>
             </a:extLst>
           </p:cNvPr>
@@ -3624,90 +3624,7 @@
         </p:nvSpPr>
         <p:spPr>
           <a:xfrm>
-            <a:off x="6928382" y="3459032"/>
-            <a:ext cx="1468672" cy="646331"/>
-          </a:xfrm>
-          <a:prstGeom prst="rect">
-            <a:avLst/>
-          </a:prstGeom>
-          <a:noFill/>
-        </p:spPr>
-        <p:txBody>
-          <a:bodyPr wrap="none" rtlCol="0">
-            <a:spAutoFit/>
-          </a:bodyPr>
-          <a:lstStyle/>
-          <a:p>
-            <a:r>
-              <a:rPr lang="ja-JP" altLang="en-US">
-                <a:solidFill>
-                  <a:schemeClr val="tx1">
-                    <a:lumMod val="65000"/>
-                    <a:lumOff val="35000"/>
-                  </a:schemeClr>
-                </a:solidFill>
-                <a:latin typeface="+mj-lt"/>
-                <a:ea typeface="+mn-ea"/>
-                <a:cs typeface="Arial" pitchFamily="34" charset="0"/>
-              </a:rPr>
-              <a:t>ネットワーク</a:t>
-            </a:r>
-            <a:endParaRPr lang="en-US" altLang="ja-JP" dirty="0">
-              <a:solidFill>
-                <a:schemeClr val="tx1">
-                  <a:lumMod val="65000"/>
-                  <a:lumOff val="35000"/>
-                </a:schemeClr>
-              </a:solidFill>
-              <a:latin typeface="+mj-lt"/>
-              <a:ea typeface="+mn-ea"/>
-              <a:cs typeface="Arial" pitchFamily="34" charset="0"/>
-            </a:endParaRPr>
-          </a:p>
-          <a:p>
-            <a:r>
-              <a:rPr lang="ja-JP" altLang="en-US">
-                <a:solidFill>
-                  <a:schemeClr val="tx1">
-                    <a:lumMod val="65000"/>
-                    <a:lumOff val="35000"/>
-                  </a:schemeClr>
-                </a:solidFill>
-                <a:latin typeface="+mj-lt"/>
-                <a:ea typeface="+mn-ea"/>
-                <a:cs typeface="Arial" pitchFamily="34" charset="0"/>
-              </a:rPr>
-              <a:t>一覧を下さい</a:t>
-            </a:r>
-            <a:endParaRPr lang="en-US" dirty="0" err="1">
-              <a:solidFill>
-                <a:schemeClr val="tx1">
-                  <a:lumMod val="65000"/>
-                  <a:lumOff val="35000"/>
-                </a:schemeClr>
-              </a:solidFill>
-              <a:latin typeface="+mj-lt"/>
-              <a:ea typeface="+mn-ea"/>
-              <a:cs typeface="Arial" pitchFamily="34" charset="0"/>
-            </a:endParaRPr>
-          </a:p>
-        </p:txBody>
-      </p:sp>
-      <p:sp>
-        <p:nvSpPr>
-          <p:cNvPr id="14" name="TextBox 13">
-            <a:extLst>
-              <a:ext uri="{FF2B5EF4-FFF2-40B4-BE49-F238E27FC236}">
-                <a16:creationId xmlns:a16="http://schemas.microsoft.com/office/drawing/2014/main" id="{350C3BCF-0399-B148-AACE-DC5E8913AED2}"/>
-              </a:ext>
-            </a:extLst>
-          </p:cNvPr>
-          <p:cNvSpPr txBox="1"/>
-          <p:nvPr/>
-        </p:nvSpPr>
-        <p:spPr>
-          <a:xfrm>
-            <a:off x="3838461" y="2565667"/>
+            <a:off x="2284281" y="2501907"/>
             <a:ext cx="2865913" cy="646331"/>
           </a:xfrm>
           <a:prstGeom prst="rect">
@@ -3820,8 +3737,8 @@
           <p:nvPr/>
         </p:nvSpPr>
         <p:spPr bwMode="gray">
-          <a:xfrm rot="10800000">
-            <a:off x="2933130" y="2707796"/>
+          <a:xfrm>
+            <a:off x="5638808" y="2572971"/>
             <a:ext cx="501489" cy="504202"/>
           </a:xfrm>
           <a:prstGeom prst="rightArrow">
@@ -3894,7 +3811,7 @@
         </p:nvSpPr>
         <p:spPr>
           <a:xfrm>
-            <a:off x="2692243" y="2266480"/>
+            <a:off x="5417403" y="2225100"/>
             <a:ext cx="944297" cy="369332"/>
           </a:xfrm>
           <a:prstGeom prst="rect">
@@ -3938,8 +3855,8 @@
           <p:nvPr/>
         </p:nvSpPr>
         <p:spPr bwMode="gray">
-          <a:xfrm>
-            <a:off x="5922017" y="3732105"/>
+          <a:xfrm rot="10800000">
+            <a:off x="2045004" y="3797814"/>
             <a:ext cx="501489" cy="504202"/>
           </a:xfrm>
           <a:prstGeom prst="rightArrow">
@@ -4012,7 +3929,7 @@
         </p:nvSpPr>
         <p:spPr>
           <a:xfrm>
-            <a:off x="5691176" y="4279551"/>
+            <a:off x="1754990" y="4308507"/>
             <a:ext cx="1081515" cy="369332"/>
           </a:xfrm>
           <a:prstGeom prst="rect">
@@ -4057,7 +3974,7 @@
         </p:nvSpPr>
         <p:spPr>
           <a:xfrm>
-            <a:off x="1233065" y="3462945"/>
+            <a:off x="2993699" y="3403838"/>
             <a:ext cx="4347665" cy="1569660"/>
           </a:xfrm>
           <a:prstGeom prst="rect">
@@ -4201,6 +4118,189 @@
                 <a:cs typeface="Consolas" panose="020B0609020204030204" pitchFamily="49" charset="0"/>
               </a:rPr>
               <a:t>]</a:t>
+            </a:r>
+          </a:p>
+        </p:txBody>
+      </p:sp>
+      <p:sp>
+        <p:nvSpPr>
+          <p:cNvPr id="13" name="Rounded Rectangular Callout 12">
+            <a:extLst>
+              <a:ext uri="{FF2B5EF4-FFF2-40B4-BE49-F238E27FC236}">
+                <a16:creationId xmlns:a16="http://schemas.microsoft.com/office/drawing/2014/main" id="{5E684C75-96A7-1A45-B611-101C850C3D4B}"/>
+              </a:ext>
+            </a:extLst>
+          </p:cNvPr>
+          <p:cNvSpPr/>
+          <p:nvPr/>
+        </p:nvSpPr>
+        <p:spPr bwMode="gray">
+          <a:xfrm>
+            <a:off x="231305" y="2200924"/>
+            <a:ext cx="1685828" cy="847200"/>
+          </a:xfrm>
+          <a:prstGeom prst="wedgeRoundRectCallout">
+            <a:avLst>
+              <a:gd name="adj1" fmla="val -20833"/>
+              <a:gd name="adj2" fmla="val 71578"/>
+              <a:gd name="adj3" fmla="val 16667"/>
+            </a:avLst>
+          </a:prstGeom>
+          <a:solidFill>
+            <a:schemeClr val="accent1"/>
+          </a:solidFill>
+          <a:ln>
+            <a:noFill/>
+          </a:ln>
+          <a:scene3d>
+            <a:camera prst="orthographicFront"/>
+            <a:lightRig rig="threePt" dir="t"/>
+          </a:scene3d>
+          <a:sp3d prstMaterial="plastic">
+            <a:bevelT w="19050" h="6350"/>
+          </a:sp3d>
+        </p:spPr>
+        <p:style>
+          <a:lnRef idx="1">
+            <a:schemeClr val="accent1"/>
+          </a:lnRef>
+          <a:fillRef idx="3">
+            <a:schemeClr val="accent1"/>
+          </a:fillRef>
+          <a:effectRef idx="2">
+            <a:schemeClr val="accent1"/>
+          </a:effectRef>
+          <a:fontRef idx="minor">
+            <a:schemeClr val="lt1"/>
+          </a:fontRef>
+        </p:style>
+        <p:txBody>
+          <a:bodyPr rtlCol="0" anchor="ctr"/>
+          <a:lstStyle/>
+          <a:p>
+            <a:pPr algn="ctr"/>
+            <a:endParaRPr lang="en-US" sz="1600">
+              <a:solidFill>
+                <a:srgbClr val="C7C9CC"/>
+              </a:solidFill>
+              <a:latin typeface="+mj-lt"/>
+              <a:cs typeface="Arial" pitchFamily="34" charset="0"/>
+            </a:endParaRPr>
+          </a:p>
+        </p:txBody>
+      </p:sp>
+      <p:sp>
+        <p:nvSpPr>
+          <p:cNvPr id="15" name="TextBox 14">
+            <a:extLst>
+              <a:ext uri="{FF2B5EF4-FFF2-40B4-BE49-F238E27FC236}">
+                <a16:creationId xmlns:a16="http://schemas.microsoft.com/office/drawing/2014/main" id="{DB0F93E4-7445-A940-8845-DF8C11BB218F}"/>
+              </a:ext>
+            </a:extLst>
+          </p:cNvPr>
+          <p:cNvSpPr txBox="1"/>
+          <p:nvPr/>
+        </p:nvSpPr>
+        <p:spPr>
+          <a:xfrm>
+            <a:off x="339883" y="2301358"/>
+            <a:ext cx="1468672" cy="646331"/>
+          </a:xfrm>
+          <a:prstGeom prst="rect">
+            <a:avLst/>
+          </a:prstGeom>
+          <a:noFill/>
+        </p:spPr>
+        <p:txBody>
+          <a:bodyPr wrap="none" rtlCol="0">
+            <a:spAutoFit/>
+          </a:bodyPr>
+          <a:lstStyle/>
+          <a:p>
+            <a:r>
+              <a:rPr lang="ja-JP" altLang="en-US">
+                <a:solidFill>
+                  <a:schemeClr val="bg1"/>
+                </a:solidFill>
+                <a:latin typeface="+mj-lt"/>
+                <a:ea typeface="+mn-ea"/>
+                <a:cs typeface="Arial" pitchFamily="34" charset="0"/>
+              </a:rPr>
+              <a:t>ネットワーク</a:t>
+            </a:r>
+            <a:endParaRPr lang="en-US" altLang="ja-JP" dirty="0">
+              <a:solidFill>
+                <a:schemeClr val="bg1"/>
+              </a:solidFill>
+              <a:latin typeface="+mj-lt"/>
+              <a:ea typeface="+mn-ea"/>
+              <a:cs typeface="Arial" pitchFamily="34" charset="0"/>
+            </a:endParaRPr>
+          </a:p>
+          <a:p>
+            <a:r>
+              <a:rPr lang="ja-JP" altLang="en-US">
+                <a:solidFill>
+                  <a:schemeClr val="bg1"/>
+                </a:solidFill>
+                <a:latin typeface="+mj-lt"/>
+                <a:ea typeface="+mn-ea"/>
+                <a:cs typeface="Arial" pitchFamily="34" charset="0"/>
+              </a:rPr>
+              <a:t>一覧を下さい</a:t>
+            </a:r>
+            <a:endParaRPr lang="en-US" dirty="0" err="1">
+              <a:solidFill>
+                <a:schemeClr val="bg1"/>
+              </a:solidFill>
+              <a:latin typeface="+mj-lt"/>
+              <a:ea typeface="+mn-ea"/>
+              <a:cs typeface="Arial" pitchFamily="34" charset="0"/>
+            </a:endParaRPr>
+          </a:p>
+        </p:txBody>
+      </p:sp>
+      <p:sp>
+        <p:nvSpPr>
+          <p:cNvPr id="3" name="TextBox 2">
+            <a:extLst>
+              <a:ext uri="{FF2B5EF4-FFF2-40B4-BE49-F238E27FC236}">
+                <a16:creationId xmlns:a16="http://schemas.microsoft.com/office/drawing/2014/main" id="{00BC88EE-0873-CF41-87CC-DD0171330433}"/>
+              </a:ext>
+            </a:extLst>
+          </p:cNvPr>
+          <p:cNvSpPr txBox="1"/>
+          <p:nvPr/>
+        </p:nvSpPr>
+        <p:spPr>
+          <a:xfrm>
+            <a:off x="1955505" y="4600996"/>
+            <a:ext cx="657552" cy="369332"/>
+          </a:xfrm>
+          <a:prstGeom prst="rect">
+            <a:avLst/>
+          </a:prstGeom>
+          <a:noFill/>
+        </p:spPr>
+        <p:txBody>
+          <a:bodyPr wrap="none" rtlCol="0">
+            <a:spAutoFit/>
+          </a:bodyPr>
+          <a:lstStyle/>
+          <a:p>
+            <a:r>
+              <a:rPr lang="en-US" dirty="0">
+                <a:solidFill>
+                  <a:schemeClr val="tx1">
+                    <a:lumMod val="65000"/>
+                    <a:lumOff val="35000"/>
+                  </a:schemeClr>
+                </a:solidFill>
+                <a:latin typeface="+mj-lt"/>
+                <a:ea typeface="+mn-ea"/>
+                <a:cs typeface="Arial" pitchFamily="34" charset="0"/>
+              </a:rPr>
+              <a:t>Body</a:t>
             </a:r>
           </a:p>
         </p:txBody>
@@ -9383,7 +9483,7 @@
             <a:pPr marL="700023" lvl="1" indent="-342900"/>
             <a:r>
               <a:rPr lang="ja-JP" altLang="en-US"/>
-              <a:t>パラメーターにしたがってコンテナやネットワークを作成</a:t>
+              <a:t>スクリプトがパラメーターにしたがってコンテナやネットワークを作成</a:t>
             </a:r>
             <a:endParaRPr lang="en-US" altLang="ja-JP" dirty="0"/>
           </a:p>
@@ -9758,8 +9858,12 @@
           <a:p>
             <a:pPr marL="700023" lvl="1" indent="-342900"/>
             <a:r>
+              <a:rPr lang="ja-JP" altLang="en-US" sz="2000"/>
+              <a:t>演習</a:t>
+            </a:r>
+            <a:r>
               <a:rPr lang="en-US" altLang="ja-JP" sz="2000" dirty="0"/>
-              <a:t>Nutanix</a:t>
+              <a:t>1: Nutanix</a:t>
             </a:r>
             <a:r>
               <a:rPr lang="ja-JP" altLang="en-US" sz="2000"/>
@@ -9770,8 +9874,12 @@
           <a:p>
             <a:pPr marL="700023" lvl="1" indent="-342900"/>
             <a:r>
+              <a:rPr lang="ja-JP" altLang="en-US" sz="2000"/>
+              <a:t>演習</a:t>
+            </a:r>
+            <a:r>
               <a:rPr lang="en-US" altLang="ja-JP" sz="2000" dirty="0"/>
-              <a:t>JSON</a:t>
+              <a:t>2: JSON</a:t>
             </a:r>
             <a:r>
               <a:rPr lang="ja-JP" altLang="en-US" sz="2000"/>
@@ -9782,8 +9890,12 @@
           <a:p>
             <a:pPr marL="700023" lvl="1" indent="-342900"/>
             <a:r>
+              <a:rPr lang="ja-JP" altLang="en-US" sz="2000"/>
+              <a:t>演習</a:t>
+            </a:r>
+            <a:r>
               <a:rPr lang="en-US" altLang="ja-JP" sz="2000" dirty="0"/>
-              <a:t>CRUD</a:t>
+              <a:t>3: CRUD</a:t>
             </a:r>
             <a:r>
               <a:rPr lang="ja-JP" altLang="en-US" sz="2000"/>
@@ -9813,11 +9925,11 @@
             <a:pPr marL="700023" lvl="1" indent="-342900"/>
             <a:r>
               <a:rPr lang="ja-JP" altLang="en-US" sz="2000"/>
-              <a:t>発展編</a:t>
+              <a:t>演習</a:t>
             </a:r>
             <a:r>
               <a:rPr lang="en-US" altLang="ja-JP" sz="2000" dirty="0"/>
-              <a:t>: </a:t>
+              <a:t>4:</a:t>
             </a:r>
             <a:r>
               <a:rPr lang="ja-JP" altLang="en-US" sz="2000"/>
@@ -9829,11 +9941,11 @@
             <a:pPr marL="700023" lvl="1" indent="-342900"/>
             <a:r>
               <a:rPr lang="ja-JP" altLang="en-US" sz="2000"/>
-              <a:t>発展編</a:t>
+              <a:t>演習</a:t>
             </a:r>
             <a:r>
               <a:rPr lang="en-US" altLang="ja-JP" sz="2000" dirty="0"/>
-              <a:t>: </a:t>
+              <a:t>5:</a:t>
             </a:r>
             <a:r>
               <a:rPr lang="ja-JP" altLang="en-US" sz="2000"/>
@@ -11318,6 +11430,16 @@
             </a:pPr>
             <a:r>
               <a:rPr lang="en-US" altLang="ja-JP" sz="2000" dirty="0"/>
+              <a:t>Representational State Transfer (REST)</a:t>
+            </a:r>
+          </a:p>
+          <a:p>
+            <a:pPr marL="342900" indent="-342900">
+              <a:buFont typeface="Arial" panose="020B0604020202020204" pitchFamily="34" charset="0"/>
+              <a:buChar char="•"/>
+            </a:pPr>
+            <a:r>
+              <a:rPr lang="en-US" altLang="ja-JP" sz="2000" dirty="0"/>
               <a:t>HTTP : </a:t>
             </a:r>
             <a:r>
@@ -11429,7 +11551,7 @@
         </p:nvSpPr>
         <p:spPr>
           <a:xfrm>
-            <a:off x="1341058" y="2585522"/>
+            <a:off x="1341058" y="2697608"/>
             <a:ext cx="1535933" cy="369332"/>
           </a:xfrm>
           <a:prstGeom prst="rect">
@@ -11499,7 +11621,7 @@
         </p:nvSpPr>
         <p:spPr>
           <a:xfrm>
-            <a:off x="390248" y="2169077"/>
+            <a:off x="390248" y="2281163"/>
             <a:ext cx="3701013" cy="369332"/>
           </a:xfrm>
           <a:prstGeom prst="rect">
@@ -11611,7 +11733,7 @@
         </p:nvSpPr>
         <p:spPr>
           <a:xfrm>
-            <a:off x="5949511" y="2585522"/>
+            <a:off x="5949511" y="2697608"/>
             <a:ext cx="1535933" cy="369332"/>
           </a:xfrm>
           <a:prstGeom prst="rect">
@@ -11681,7 +11803,7 @@
         </p:nvSpPr>
         <p:spPr>
           <a:xfrm>
-            <a:off x="4940720" y="2169077"/>
+            <a:off x="4940720" y="2281163"/>
             <a:ext cx="3701013" cy="369332"/>
           </a:xfrm>
           <a:prstGeom prst="rect">
@@ -14005,7 +14127,12 @@
             <p:ph type="title"/>
           </p:nvPr>
         </p:nvSpPr>
-        <p:spPr/>
+        <p:spPr>
+          <a:xfrm>
+            <a:off x="532367" y="190829"/>
+            <a:ext cx="8311710" cy="410612"/>
+          </a:xfrm>
+        </p:spPr>
         <p:txBody>
           <a:bodyPr/>
           <a:lstStyle/>
@@ -14146,7 +14273,7 @@
         </p:blipFill>
         <p:spPr>
           <a:xfrm>
-            <a:off x="261564" y="3440964"/>
+            <a:off x="6679312" y="3055724"/>
             <a:ext cx="2139652" cy="590249"/>
           </a:xfrm>
           <a:prstGeom prst="rect">
@@ -14182,7 +14309,7 @@
         </p:blipFill>
         <p:spPr>
           <a:xfrm>
-            <a:off x="6515058" y="3220696"/>
+            <a:off x="709075" y="3296491"/>
             <a:ext cx="873655" cy="873655"/>
           </a:xfrm>
           <a:prstGeom prst="rect">
@@ -14192,10 +14319,10 @@
       </p:pic>
       <p:sp>
         <p:nvSpPr>
-          <p:cNvPr id="10" name="TextBox 9">
+          <p:cNvPr id="14" name="TextBox 13">
             <a:extLst>
               <a:ext uri="{FF2B5EF4-FFF2-40B4-BE49-F238E27FC236}">
-                <a16:creationId xmlns:a16="http://schemas.microsoft.com/office/drawing/2014/main" id="{07C189F4-22CA-2942-A4F8-9199FBA0E9B2}"/>
+                <a16:creationId xmlns:a16="http://schemas.microsoft.com/office/drawing/2014/main" id="{350C3BCF-0399-B148-AACE-DC5E8913AED2}"/>
               </a:ext>
             </a:extLst>
           </p:cNvPr>
@@ -14204,104 +14331,7 @@
         </p:nvSpPr>
         <p:spPr>
           <a:xfrm>
-            <a:off x="7599958" y="3334357"/>
-            <a:ext cx="1402948" cy="646331"/>
-          </a:xfrm>
-          <a:prstGeom prst="rect">
-            <a:avLst/>
-          </a:prstGeom>
-          <a:noFill/>
-        </p:spPr>
-        <p:txBody>
-          <a:bodyPr wrap="none" rtlCol="0">
-            <a:spAutoFit/>
-          </a:bodyPr>
-          <a:lstStyle/>
-          <a:p>
-            <a:r>
-              <a:rPr lang="en-US" dirty="0">
-                <a:solidFill>
-                  <a:schemeClr val="tx1">
-                    <a:lumMod val="65000"/>
-                    <a:lumOff val="35000"/>
-                  </a:schemeClr>
-                </a:solidFill>
-                <a:latin typeface="+mj-lt"/>
-                <a:ea typeface="+mn-ea"/>
-                <a:cs typeface="Arial" pitchFamily="34" charset="0"/>
-              </a:rPr>
-              <a:t>VM</a:t>
-            </a:r>
-            <a:r>
-              <a:rPr lang="ja-JP" altLang="en-US">
-                <a:solidFill>
-                  <a:schemeClr val="tx1">
-                    <a:lumMod val="65000"/>
-                    <a:lumOff val="35000"/>
-                  </a:schemeClr>
-                </a:solidFill>
-                <a:latin typeface="+mj-lt"/>
-                <a:ea typeface="+mn-ea"/>
-                <a:cs typeface="Arial" pitchFamily="34" charset="0"/>
-              </a:rPr>
-              <a:t>の情報を</a:t>
-            </a:r>
-            <a:endParaRPr lang="en-US" altLang="ja-JP" dirty="0">
-              <a:solidFill>
-                <a:schemeClr val="tx1">
-                  <a:lumMod val="65000"/>
-                  <a:lumOff val="35000"/>
-                </a:schemeClr>
-              </a:solidFill>
-              <a:latin typeface="+mj-lt"/>
-              <a:ea typeface="+mn-ea"/>
-              <a:cs typeface="Arial" pitchFamily="34" charset="0"/>
-            </a:endParaRPr>
-          </a:p>
-          <a:p>
-            <a:r>
-              <a:rPr lang="ja-JP" altLang="en-US">
-                <a:solidFill>
-                  <a:schemeClr val="tx1">
-                    <a:lumMod val="65000"/>
-                    <a:lumOff val="35000"/>
-                  </a:schemeClr>
-                </a:solidFill>
-                <a:latin typeface="+mj-lt"/>
-                <a:ea typeface="+mn-ea"/>
-                <a:cs typeface="Arial" pitchFamily="34" charset="0"/>
-              </a:rPr>
-              <a:t>教えて</a:t>
-            </a:r>
-            <a:endParaRPr lang="en-US" dirty="0" err="1">
-              <a:solidFill>
-                <a:schemeClr val="tx1">
-                  <a:lumMod val="65000"/>
-                  <a:lumOff val="35000"/>
-                </a:schemeClr>
-              </a:solidFill>
-              <a:latin typeface="+mj-lt"/>
-              <a:ea typeface="+mn-ea"/>
-              <a:cs typeface="Arial" pitchFamily="34" charset="0"/>
-            </a:endParaRPr>
-          </a:p>
-        </p:txBody>
-      </p:sp>
-      <p:sp>
-        <p:nvSpPr>
-          <p:cNvPr id="14" name="TextBox 13">
-            <a:extLst>
-              <a:ext uri="{FF2B5EF4-FFF2-40B4-BE49-F238E27FC236}">
-                <a16:creationId xmlns:a16="http://schemas.microsoft.com/office/drawing/2014/main" id="{350C3BCF-0399-B148-AACE-DC5E8913AED2}"/>
-              </a:ext>
-            </a:extLst>
-          </p:cNvPr>
-          <p:cNvSpPr txBox="1"/>
-          <p:nvPr/>
-        </p:nvSpPr>
-        <p:spPr>
-          <a:xfrm>
-            <a:off x="3502982" y="2685411"/>
+            <a:off x="2233294" y="2835489"/>
             <a:ext cx="2800831" cy="646331"/>
           </a:xfrm>
           <a:prstGeom prst="rect">
@@ -14421,8 +14451,8 @@
           <p:nvPr/>
         </p:nvSpPr>
         <p:spPr bwMode="gray">
-          <a:xfrm rot="10800000">
-            <a:off x="2665766" y="2936761"/>
+          <a:xfrm>
+            <a:off x="5573378" y="2948864"/>
             <a:ext cx="501489" cy="504202"/>
           </a:xfrm>
           <a:prstGeom prst="rightArrow">
@@ -14495,7 +14525,7 @@
         </p:nvSpPr>
         <p:spPr>
           <a:xfrm>
-            <a:off x="2401217" y="2499896"/>
+            <a:off x="5351973" y="2483945"/>
             <a:ext cx="944297" cy="369332"/>
           </a:xfrm>
           <a:prstGeom prst="rect">
@@ -14539,8 +14569,8 @@
           <p:nvPr/>
         </p:nvSpPr>
         <p:spPr bwMode="gray">
-          <a:xfrm>
-            <a:off x="2665766" y="3942054"/>
+          <a:xfrm rot="10800000">
+            <a:off x="2496375" y="3803803"/>
             <a:ext cx="501489" cy="504202"/>
           </a:xfrm>
           <a:prstGeom prst="rightArrow">
@@ -14613,7 +14643,7 @@
         </p:nvSpPr>
         <p:spPr>
           <a:xfrm>
-            <a:off x="2401216" y="4510579"/>
+            <a:off x="2206361" y="4393954"/>
             <a:ext cx="1081515" cy="369332"/>
           </a:xfrm>
           <a:prstGeom prst="rect">
@@ -14658,7 +14688,7 @@
         </p:nvSpPr>
         <p:spPr>
           <a:xfrm>
-            <a:off x="3502981" y="3923183"/>
+            <a:off x="3652836" y="3733319"/>
             <a:ext cx="2672526" cy="646331"/>
           </a:xfrm>
           <a:prstGeom prst="rect">
@@ -14696,6 +14726,315 @@
               </a:rPr>
               <a:t>{name:win01, num_cpu:2}</a:t>
             </a:r>
+          </a:p>
+        </p:txBody>
+      </p:sp>
+      <p:sp>
+        <p:nvSpPr>
+          <p:cNvPr id="3" name="Rounded Rectangular Callout 2">
+            <a:extLst>
+              <a:ext uri="{FF2B5EF4-FFF2-40B4-BE49-F238E27FC236}">
+                <a16:creationId xmlns:a16="http://schemas.microsoft.com/office/drawing/2014/main" id="{7DE8982C-42F6-2A45-8C38-A81834C56956}"/>
+              </a:ext>
+            </a:extLst>
+          </p:cNvPr>
+          <p:cNvSpPr/>
+          <p:nvPr/>
+        </p:nvSpPr>
+        <p:spPr bwMode="gray">
+          <a:xfrm>
+            <a:off x="505064" y="2127523"/>
+            <a:ext cx="1685828" cy="847200"/>
+          </a:xfrm>
+          <a:prstGeom prst="wedgeRoundRectCallout">
+            <a:avLst>
+              <a:gd name="adj1" fmla="val -20833"/>
+              <a:gd name="adj2" fmla="val 71578"/>
+              <a:gd name="adj3" fmla="val 16667"/>
+            </a:avLst>
+          </a:prstGeom>
+          <a:solidFill>
+            <a:schemeClr val="accent1"/>
+          </a:solidFill>
+          <a:ln>
+            <a:noFill/>
+          </a:ln>
+          <a:scene3d>
+            <a:camera prst="orthographicFront"/>
+            <a:lightRig rig="threePt" dir="t"/>
+          </a:scene3d>
+          <a:sp3d prstMaterial="plastic">
+            <a:bevelT w="19050" h="6350"/>
+          </a:sp3d>
+        </p:spPr>
+        <p:style>
+          <a:lnRef idx="1">
+            <a:schemeClr val="accent1"/>
+          </a:lnRef>
+          <a:fillRef idx="3">
+            <a:schemeClr val="accent1"/>
+          </a:fillRef>
+          <a:effectRef idx="2">
+            <a:schemeClr val="accent1"/>
+          </a:effectRef>
+          <a:fontRef idx="minor">
+            <a:schemeClr val="lt1"/>
+          </a:fontRef>
+        </p:style>
+        <p:txBody>
+          <a:bodyPr rtlCol="0" anchor="ctr"/>
+          <a:lstStyle/>
+          <a:p>
+            <a:pPr algn="ctr"/>
+            <a:endParaRPr lang="en-US" sz="1600">
+              <a:solidFill>
+                <a:srgbClr val="C7C9CC"/>
+              </a:solidFill>
+              <a:latin typeface="+mj-lt"/>
+              <a:cs typeface="Arial" pitchFamily="34" charset="0"/>
+            </a:endParaRPr>
+          </a:p>
+        </p:txBody>
+      </p:sp>
+      <p:sp>
+        <p:nvSpPr>
+          <p:cNvPr id="15" name="TextBox 14">
+            <a:extLst>
+              <a:ext uri="{FF2B5EF4-FFF2-40B4-BE49-F238E27FC236}">
+                <a16:creationId xmlns:a16="http://schemas.microsoft.com/office/drawing/2014/main" id="{52ABED16-DB0C-334A-BF9B-E6ACA784E857}"/>
+              </a:ext>
+            </a:extLst>
+          </p:cNvPr>
+          <p:cNvSpPr txBox="1"/>
+          <p:nvPr/>
+        </p:nvSpPr>
+        <p:spPr>
+          <a:xfrm>
+            <a:off x="646504" y="2222642"/>
+            <a:ext cx="1402948" cy="646331"/>
+          </a:xfrm>
+          <a:prstGeom prst="rect">
+            <a:avLst/>
+          </a:prstGeom>
+          <a:noFill/>
+        </p:spPr>
+        <p:txBody>
+          <a:bodyPr wrap="none" rtlCol="0">
+            <a:spAutoFit/>
+          </a:bodyPr>
+          <a:lstStyle/>
+          <a:p>
+            <a:r>
+              <a:rPr lang="en-US" dirty="0">
+                <a:solidFill>
+                  <a:schemeClr val="bg1"/>
+                </a:solidFill>
+                <a:latin typeface="+mj-lt"/>
+                <a:ea typeface="+mn-ea"/>
+                <a:cs typeface="Arial" pitchFamily="34" charset="0"/>
+              </a:rPr>
+              <a:t>VM</a:t>
+            </a:r>
+            <a:r>
+              <a:rPr lang="ja-JP" altLang="en-US">
+                <a:solidFill>
+                  <a:schemeClr val="bg1"/>
+                </a:solidFill>
+                <a:latin typeface="+mj-lt"/>
+                <a:ea typeface="+mn-ea"/>
+                <a:cs typeface="Arial" pitchFamily="34" charset="0"/>
+              </a:rPr>
+              <a:t>の情報を</a:t>
+            </a:r>
+            <a:endParaRPr lang="en-US" altLang="ja-JP" dirty="0">
+              <a:solidFill>
+                <a:schemeClr val="bg1"/>
+              </a:solidFill>
+              <a:latin typeface="+mj-lt"/>
+              <a:ea typeface="+mn-ea"/>
+              <a:cs typeface="Arial" pitchFamily="34" charset="0"/>
+            </a:endParaRPr>
+          </a:p>
+          <a:p>
+            <a:r>
+              <a:rPr lang="ja-JP" altLang="en-US">
+                <a:solidFill>
+                  <a:schemeClr val="bg1"/>
+                </a:solidFill>
+                <a:latin typeface="+mj-lt"/>
+                <a:ea typeface="+mn-ea"/>
+                <a:cs typeface="Arial" pitchFamily="34" charset="0"/>
+              </a:rPr>
+              <a:t>教えて</a:t>
+            </a:r>
+            <a:endParaRPr lang="en-US" dirty="0" err="1">
+              <a:solidFill>
+                <a:schemeClr val="bg1"/>
+              </a:solidFill>
+              <a:latin typeface="+mj-lt"/>
+              <a:ea typeface="+mn-ea"/>
+              <a:cs typeface="Arial" pitchFamily="34" charset="0"/>
+            </a:endParaRPr>
+          </a:p>
+        </p:txBody>
+      </p:sp>
+      <p:sp>
+        <p:nvSpPr>
+          <p:cNvPr id="16" name="Rounded Rectangular Callout 15">
+            <a:extLst>
+              <a:ext uri="{FF2B5EF4-FFF2-40B4-BE49-F238E27FC236}">
+                <a16:creationId xmlns:a16="http://schemas.microsoft.com/office/drawing/2014/main" id="{5713387B-B791-7D40-B306-57B0CBC3E52A}"/>
+              </a:ext>
+            </a:extLst>
+          </p:cNvPr>
+          <p:cNvSpPr/>
+          <p:nvPr/>
+        </p:nvSpPr>
+        <p:spPr bwMode="gray">
+          <a:xfrm>
+            <a:off x="6925805" y="3955525"/>
+            <a:ext cx="1685828" cy="847200"/>
+          </a:xfrm>
+          <a:prstGeom prst="wedgeRoundRectCallout">
+            <a:avLst>
+              <a:gd name="adj1" fmla="val -22354"/>
+              <a:gd name="adj2" fmla="val -77711"/>
+              <a:gd name="adj3" fmla="val 16667"/>
+            </a:avLst>
+          </a:prstGeom>
+          <a:solidFill>
+            <a:schemeClr val="accent1"/>
+          </a:solidFill>
+          <a:ln>
+            <a:noFill/>
+          </a:ln>
+          <a:scene3d>
+            <a:camera prst="orthographicFront"/>
+            <a:lightRig rig="threePt" dir="t"/>
+          </a:scene3d>
+          <a:sp3d prstMaterial="plastic">
+            <a:bevelT w="19050" h="6350"/>
+          </a:sp3d>
+        </p:spPr>
+        <p:style>
+          <a:lnRef idx="1">
+            <a:schemeClr val="accent1"/>
+          </a:lnRef>
+          <a:fillRef idx="3">
+            <a:schemeClr val="accent1"/>
+          </a:fillRef>
+          <a:effectRef idx="2">
+            <a:schemeClr val="accent1"/>
+          </a:effectRef>
+          <a:fontRef idx="minor">
+            <a:schemeClr val="lt1"/>
+          </a:fontRef>
+        </p:style>
+        <p:txBody>
+          <a:bodyPr rtlCol="0" anchor="ctr"/>
+          <a:lstStyle/>
+          <a:p>
+            <a:pPr algn="ctr"/>
+            <a:endParaRPr lang="en-US" sz="1600">
+              <a:solidFill>
+                <a:srgbClr val="C7C9CC"/>
+              </a:solidFill>
+              <a:latin typeface="+mj-lt"/>
+              <a:cs typeface="Arial" pitchFamily="34" charset="0"/>
+            </a:endParaRPr>
+          </a:p>
+        </p:txBody>
+      </p:sp>
+      <p:sp>
+        <p:nvSpPr>
+          <p:cNvPr id="22" name="TextBox 21">
+            <a:extLst>
+              <a:ext uri="{FF2B5EF4-FFF2-40B4-BE49-F238E27FC236}">
+                <a16:creationId xmlns:a16="http://schemas.microsoft.com/office/drawing/2014/main" id="{D1CEA13E-1BBF-BB43-97A2-31AFC610A2E3}"/>
+              </a:ext>
+            </a:extLst>
+          </p:cNvPr>
+          <p:cNvSpPr txBox="1"/>
+          <p:nvPr/>
+        </p:nvSpPr>
+        <p:spPr>
+          <a:xfrm>
+            <a:off x="7067245" y="4050644"/>
+            <a:ext cx="1390124" cy="646331"/>
+          </a:xfrm>
+          <a:prstGeom prst="rect">
+            <a:avLst/>
+          </a:prstGeom>
+          <a:noFill/>
+        </p:spPr>
+        <p:txBody>
+          <a:bodyPr wrap="none" rtlCol="0">
+            <a:spAutoFit/>
+          </a:bodyPr>
+          <a:lstStyle/>
+          <a:p>
+            <a:r>
+              <a:rPr lang="ja-JP" altLang="en-US">
+                <a:solidFill>
+                  <a:schemeClr val="bg1"/>
+                </a:solidFill>
+                <a:latin typeface="+mj-lt"/>
+                <a:ea typeface="+mn-ea"/>
+                <a:cs typeface="Arial" pitchFamily="34" charset="0"/>
+              </a:rPr>
+              <a:t>これが</a:t>
+            </a:r>
+            <a:r>
+              <a:rPr lang="en-US" altLang="ja-JP" dirty="0">
+                <a:solidFill>
+                  <a:schemeClr val="bg1"/>
+                </a:solidFill>
+                <a:latin typeface="+mj-lt"/>
+                <a:ea typeface="+mn-ea"/>
+                <a:cs typeface="Arial" pitchFamily="34" charset="0"/>
+              </a:rPr>
+              <a:t>VM</a:t>
+            </a:r>
+            <a:r>
+              <a:rPr lang="ja-JP" altLang="en-US">
+                <a:solidFill>
+                  <a:schemeClr val="bg1"/>
+                </a:solidFill>
+                <a:latin typeface="+mj-lt"/>
+                <a:ea typeface="+mn-ea"/>
+                <a:cs typeface="Arial" pitchFamily="34" charset="0"/>
+              </a:rPr>
+              <a:t>の</a:t>
+            </a:r>
+            <a:endParaRPr lang="en-US" altLang="ja-JP" dirty="0">
+              <a:solidFill>
+                <a:schemeClr val="bg1"/>
+              </a:solidFill>
+              <a:latin typeface="+mj-lt"/>
+              <a:ea typeface="+mn-ea"/>
+              <a:cs typeface="Arial" pitchFamily="34" charset="0"/>
+            </a:endParaRPr>
+          </a:p>
+          <a:p>
+            <a:r>
+              <a:rPr lang="ja-JP" altLang="en-US">
+                <a:solidFill>
+                  <a:schemeClr val="bg1"/>
+                </a:solidFill>
+                <a:latin typeface="+mj-lt"/>
+                <a:ea typeface="+mn-ea"/>
+                <a:cs typeface="Arial" pitchFamily="34" charset="0"/>
+              </a:rPr>
+              <a:t>情報です</a:t>
+            </a:r>
+            <a:endParaRPr lang="en-US" dirty="0" err="1">
+              <a:solidFill>
+                <a:schemeClr val="bg1"/>
+              </a:solidFill>
+              <a:latin typeface="+mj-lt"/>
+              <a:ea typeface="+mn-ea"/>
+              <a:cs typeface="Arial" pitchFamily="34" charset="0"/>
+            </a:endParaRPr>
           </a:p>
         </p:txBody>
       </p:sp>
@@ -15408,6 +15747,21 @@
 </file>
 
 <file path=customXml/item1.xml><?xml version="1.0" encoding="utf-8"?>
+<p:properties xmlns:p="http://schemas.microsoft.com/office/2006/metadata/properties" xmlns:xsi="http://www.w3.org/2001/XMLSchema-instance" xmlns:pc="http://schemas.microsoft.com/office/infopath/2007/PartnerControls">
+  <documentManagement/>
+</p:properties>
+</file>
+
+<file path=customXml/item2.xml><?xml version="1.0" encoding="utf-8"?>
+<?mso-contentType ?>
+<FormTemplates xmlns="http://schemas.microsoft.com/sharepoint/v3/contenttype/forms">
+  <Display>DocumentLibraryForm</Display>
+  <Edit>DocumentLibraryForm</Edit>
+  <New>DocumentLibraryForm</New>
+</FormTemplates>
+</file>
+
+<file path=customXml/item3.xml><?xml version="1.0" encoding="utf-8"?>
 <ct:contentTypeSchema xmlns:ct="http://schemas.microsoft.com/office/2006/metadata/contentType" xmlns:ma="http://schemas.microsoft.com/office/2006/metadata/properties/metaAttributes" ct:_="" ma:_="" ma:contentTypeName="Document" ma:contentTypeID="0x0101005BCF5BE5786385489A5427DC551C59A0" ma:contentTypeVersion="0" ma:contentTypeDescription="Create a new document." ma:contentTypeScope="" ma:versionID="da51455a320aee3b940b48d71b9d3df1">
   <xsd:schema xmlns:xsd="http://www.w3.org/2001/XMLSchema" xmlns:xs="http://www.w3.org/2001/XMLSchema" xmlns:p="http://schemas.microsoft.com/office/2006/metadata/properties" targetNamespace="http://schemas.microsoft.com/office/2006/metadata/properties" ma:root="true" ma:fieldsID="5da0bab1e00c84e9291a2a9b340ddbcd">
     <xsd:element name="properties">
@@ -15521,22 +15875,24 @@
 </ct:contentTypeSchema>
 </file>
 
-<file path=customXml/item2.xml><?xml version="1.0" encoding="utf-8"?>
-<p:properties xmlns:p="http://schemas.microsoft.com/office/2006/metadata/properties" xmlns:xsi="http://www.w3.org/2001/XMLSchema-instance" xmlns:pc="http://schemas.microsoft.com/office/infopath/2007/PartnerControls">
-  <documentManagement/>
-</p:properties>
+<file path=customXml/itemProps1.xml><?xml version="1.0" encoding="utf-8"?>
+<ds:datastoreItem xmlns:ds="http://schemas.openxmlformats.org/officeDocument/2006/customXml" ds:itemID="{B41092DB-A011-4473-B5FF-64513360592E}">
+  <ds:schemaRefs>
+    <ds:schemaRef ds:uri="http://schemas.microsoft.com/office/2006/metadata/properties"/>
+    <ds:schemaRef ds:uri="http://schemas.microsoft.com/office/infopath/2007/PartnerControls"/>
+  </ds:schemaRefs>
+</ds:datastoreItem>
 </file>
 
-<file path=customXml/item3.xml><?xml version="1.0" encoding="utf-8"?>
-<?mso-contentType ?>
-<FormTemplates xmlns="http://schemas.microsoft.com/sharepoint/v3/contenttype/forms">
-  <Display>DocumentLibraryForm</Display>
-  <Edit>DocumentLibraryForm</Edit>
-  <New>DocumentLibraryForm</New>
-</FormTemplates>
+<file path=customXml/itemProps2.xml><?xml version="1.0" encoding="utf-8"?>
+<ds:datastoreItem xmlns:ds="http://schemas.openxmlformats.org/officeDocument/2006/customXml" ds:itemID="{F69F4360-5B98-4648-B73E-FF55E6913E77}">
+  <ds:schemaRefs>
+    <ds:schemaRef ds:uri="http://schemas.microsoft.com/sharepoint/v3/contenttype/forms"/>
+  </ds:schemaRefs>
+</ds:datastoreItem>
 </file>
 
-<file path=customXml/itemProps1.xml><?xml version="1.0" encoding="utf-8"?>
+<file path=customXml/itemProps3.xml><?xml version="1.0" encoding="utf-8"?>
 <ds:datastoreItem xmlns:ds="http://schemas.openxmlformats.org/officeDocument/2006/customXml" ds:itemID="{48891768-BC9A-42ED-B292-EC6458FED432}">
   <ds:schemaRefs>
     <ds:schemaRef ds:uri="http://schemas.microsoft.com/office/2006/metadata/contentType"/>
@@ -15550,21 +15906,4 @@
     <ds:schemaRef ds:uri="http://schemas.microsoft.com/office/infopath/2007/PartnerControls"/>
   </ds:schemaRefs>
 </ds:datastoreItem>
-</file>
-
-<file path=customXml/itemProps2.xml><?xml version="1.0" encoding="utf-8"?>
-<ds:datastoreItem xmlns:ds="http://schemas.openxmlformats.org/officeDocument/2006/customXml" ds:itemID="{B41092DB-A011-4473-B5FF-64513360592E}">
-  <ds:schemaRefs>
-    <ds:schemaRef ds:uri="http://schemas.microsoft.com/office/2006/metadata/properties"/>
-    <ds:schemaRef ds:uri="http://schemas.microsoft.com/office/infopath/2007/PartnerControls"/>
-  </ds:schemaRefs>
-</ds:datastoreItem>
-</file>
-
-<file path=customXml/itemProps3.xml><?xml version="1.0" encoding="utf-8"?>
-<ds:datastoreItem xmlns:ds="http://schemas.openxmlformats.org/officeDocument/2006/customXml" ds:itemID="{F69F4360-5B98-4648-B73E-FF55E6913E77}">
-  <ds:schemaRefs>
-    <ds:schemaRef ds:uri="http://schemas.microsoft.com/sharepoint/v3/contenttype/forms"/>
-  </ds:schemaRefs>
-</ds:datastoreItem>
 </file>